--- a/Learning Phase/Week 2/Day 2/Slides/2. Understanding the Java Virtual - Machine Memory Management/0-java-understanding-solving-memory-problems-m0-slides.pptx
+++ b/Learning Phase/Week 2/Day 2/Slides/2. Understanding the Java Virtual - Machine Memory Management/0-java-understanding-solving-memory-problems-m0-slides.pptx
@@ -533,7 +533,7 @@
           <a:p>
             <a:fld id="{D758AF22-05C2-4240-B9A9-6E3433676E01}" type="datetime1">
               <a:rPr lang="en-US" smtClean="0"/>
-              <a:t>10/20/2023</a:t>
+              <a:t>1/24/2024</a:t>
             </a:fld>
             <a:endParaRPr lang="en-US"/>
           </a:p>
@@ -704,7 +704,7 @@
           <a:p>
             <a:fld id="{FFDA3D94-6A2B-4E15-AF6C-C33241C3B78B}" type="datetime1">
               <a:rPr lang="en-US" smtClean="0"/>
-              <a:t>10/20/2023</a:t>
+              <a:t>1/24/2024</a:t>
             </a:fld>
             <a:endParaRPr lang="en-US"/>
           </a:p>
@@ -980,7 +980,7 @@
           <a:p>
             <a:fld id="{D3319300-76DF-4FA4-91C3-26C7AAF4DFEC}" type="datetime1">
               <a:rPr lang="en-US" smtClean="0"/>
-              <a:t>10/20/2023</a:t>
+              <a:t>1/24/2024</a:t>
             </a:fld>
             <a:endParaRPr lang="en-US"/>
           </a:p>
@@ -1136,7 +1136,7 @@
           <a:p>
             <a:fld id="{718BB5A3-E2FB-43DB-90A2-8E39455573FB}" type="datetime1">
               <a:rPr lang="en-US" smtClean="0"/>
-              <a:t>10/20/2023</a:t>
+              <a:t>1/24/2024</a:t>
             </a:fld>
             <a:endParaRPr lang="en-US"/>
           </a:p>
@@ -1255,7 +1255,7 @@
           <a:p>
             <a:fld id="{E742DBC0-E116-4355-B52D-1BF6A611D270}" type="datetime1">
               <a:rPr lang="en-US" smtClean="0"/>
-              <a:t>10/20/2023</a:t>
+              <a:t>1/24/2024</a:t>
             </a:fld>
             <a:endParaRPr lang="en-US"/>
           </a:p>
@@ -1474,7 +1474,7 @@
           <a:p>
             <a:fld id="{032068BF-B7BC-4811-9F94-AF0FBF195AF5}" type="datetime1">
               <a:rPr lang="en-US" smtClean="0"/>
-              <a:t>10/20/2023</a:t>
+              <a:t>1/24/2024</a:t>
             </a:fld>
             <a:endParaRPr lang="en-US"/>
           </a:p>
@@ -2719,12 +2719,20 @@
             <p:ph type="title"/>
           </p:nvPr>
         </p:nvSpPr>
-        <p:spPr/>
+        <p:spPr>
+          <a:xfrm>
+            <a:off x="653199" y="32657"/>
+            <a:ext cx="10668000" cy="1174090"/>
+          </a:xfrm>
+        </p:spPr>
         <p:txBody>
           <a:bodyPr/>
           <a:lstStyle/>
           <a:p>
-            <a:endParaRPr lang="en-US"/>
+            <a:r>
+              <a:rPr lang="en-US" dirty="0"/>
+              <a:t>https://www.oracle.com/java/technologies/javase/javase8-archive-downloads.html</a:t>
+            </a:r>
           </a:p>
         </p:txBody>
       </p:sp>
@@ -2804,8 +2812,38 @@
         </p:blipFill>
         <p:spPr>
           <a:xfrm>
-            <a:off x="468142" y="666510"/>
+            <a:off x="359342" y="1206747"/>
             <a:ext cx="11255715" cy="5524979"/>
+          </a:xfrm>
+          <a:prstGeom prst="rect">
+            <a:avLst/>
+          </a:prstGeom>
+        </p:spPr>
+      </p:pic>
+      <p:pic>
+        <p:nvPicPr>
+          <p:cNvPr id="9" name="Picture 8">
+            <a:extLst>
+              <a:ext uri="{FF2B5EF4-FFF2-40B4-BE49-F238E27FC236}">
+                <a16:creationId xmlns:a16="http://schemas.microsoft.com/office/drawing/2014/main" id="{83638479-5A05-7D9C-33EA-47E36648B95B}"/>
+              </a:ext>
+            </a:extLst>
+          </p:cNvPr>
+          <p:cNvPicPr>
+            <a:picLocks noChangeAspect="1"/>
+          </p:cNvPicPr>
+          <p:nvPr/>
+        </p:nvPicPr>
+        <p:blipFill>
+          <a:blip r:embed="rId3"/>
+          <a:stretch>
+            <a:fillRect/>
+          </a:stretch>
+        </p:blipFill>
+        <p:spPr>
+          <a:xfrm>
+            <a:off x="381113" y="1303020"/>
+            <a:ext cx="11582287" cy="655377"/>
           </a:xfrm>
           <a:prstGeom prst="rect">
             <a:avLst/>
